--- a/share/简单的设计模式.pptx
+++ b/share/简单的设计模式.pptx
@@ -5,7 +5,7 @@
     <p:sldMasterId id="2147483648" r:id="rId1"/>
   </p:sldMasterIdLst>
   <p:notesMasterIdLst>
-    <p:notesMasterId r:id="rId14"/>
+    <p:notesMasterId r:id="rId13"/>
   </p:notesMasterIdLst>
   <p:sldIdLst>
     <p:sldId id="256" r:id="rId2"/>
@@ -17,9 +17,8 @@
     <p:sldId id="262" r:id="rId8"/>
     <p:sldId id="263" r:id="rId9"/>
     <p:sldId id="264" r:id="rId10"/>
-    <p:sldId id="265" r:id="rId11"/>
-    <p:sldId id="266" r:id="rId12"/>
-    <p:sldId id="267" r:id="rId13"/>
+    <p:sldId id="266" r:id="rId11"/>
+    <p:sldId id="267" r:id="rId12"/>
   </p:sldIdLst>
   <p:sldSz cx="9144000" cy="6858000" type="screen4x3"/>
   <p:notesSz cx="6858000" cy="9144000"/>
@@ -203,7 +202,8 @@
           <a:p>
             <a:fld id="{B53198E1-3CC6-4929-ADA0-767B931BEEFF}" type="datetimeFigureOut">
               <a:rPr lang="zh-CN" altLang="en-US" smtClean="0"/>
-              <a:t>2015/7/21 Tuesday</a:t>
+              <a:pPr/>
+              <a:t>2015/7/29 Wednesday</a:t>
             </a:fld>
             <a:endParaRPr lang="zh-CN" altLang="en-US"/>
           </a:p>
@@ -364,6 +364,7 @@
           <a:p>
             <a:fld id="{78D31FA2-728A-49A8-B119-6E2F1BD069D1}" type="slidenum">
               <a:rPr lang="zh-CN" altLang="en-US" smtClean="0"/>
+              <a:pPr/>
               <a:t>‹#›</a:t>
             </a:fld>
             <a:endParaRPr lang="zh-CN" altLang="en-US"/>
@@ -539,6 +540,7 @@
           <a:p>
             <a:fld id="{78D31FA2-728A-49A8-B119-6E2F1BD069D1}" type="slidenum">
               <a:rPr lang="zh-CN" altLang="en-US" smtClean="0"/>
+              <a:pPr/>
               <a:t>1</a:t>
             </a:fld>
             <a:endParaRPr lang="zh-CN" altLang="en-US"/>
@@ -600,91 +602,6 @@
           <a:lstStyle/>
           <a:p>
             <a:r>
-              <a:rPr lang="zh-CN" altLang="en-US" dirty="0" smtClean="0"/>
-              <a:t>所有函数，都有一个统一的对象进行处理，它们不用知道彼此的存在，中间代理会管理它们的相关行为</a:t>
-            </a:r>
-            <a:endParaRPr lang="zh-CN" altLang="en-US" dirty="0"/>
-          </a:p>
-        </p:txBody>
-      </p:sp>
-      <p:sp>
-        <p:nvSpPr>
-          <p:cNvPr id="4" name="灯片编号占位符 3"/>
-          <p:cNvSpPr>
-            <a:spLocks noGrp="1"/>
-          </p:cNvSpPr>
-          <p:nvPr>
-            <p:ph type="sldNum" sz="quarter" idx="10"/>
-          </p:nvPr>
-        </p:nvSpPr>
-        <p:spPr/>
-        <p:txBody>
-          <a:bodyPr/>
-          <a:lstStyle/>
-          <a:p>
-            <a:fld id="{78D31FA2-728A-49A8-B119-6E2F1BD069D1}" type="slidenum">
-              <a:rPr lang="zh-CN" altLang="en-US" smtClean="0"/>
-              <a:t>10</a:t>
-            </a:fld>
-            <a:endParaRPr lang="zh-CN" altLang="en-US"/>
-          </a:p>
-        </p:txBody>
-      </p:sp>
-    </p:spTree>
-  </p:cSld>
-  <p:clrMapOvr>
-    <a:masterClrMapping/>
-  </p:clrMapOvr>
-</p:notes>
-</file>
-
-<file path=ppt/notesSlides/notesSlide11.xml><?xml version="1.0" encoding="utf-8"?>
-<p:notes xmlns:a="http://schemas.openxmlformats.org/drawingml/2006/main" xmlns:r="http://schemas.openxmlformats.org/officeDocument/2006/relationships" xmlns:p="http://schemas.openxmlformats.org/presentationml/2006/main">
-  <p:cSld>
-    <p:spTree>
-      <p:nvGrpSpPr>
-        <p:cNvPr id="1" name=""/>
-        <p:cNvGrpSpPr/>
-        <p:nvPr/>
-      </p:nvGrpSpPr>
-      <p:grpSpPr>
-        <a:xfrm>
-          <a:off x="0" y="0"/>
-          <a:ext cx="0" cy="0"/>
-          <a:chOff x="0" y="0"/>
-          <a:chExt cx="0" cy="0"/>
-        </a:xfrm>
-      </p:grpSpPr>
-      <p:sp>
-        <p:nvSpPr>
-          <p:cNvPr id="2" name="幻灯片图像占位符 1"/>
-          <p:cNvSpPr>
-            <a:spLocks noGrp="1" noRot="1" noChangeAspect="1"/>
-          </p:cNvSpPr>
-          <p:nvPr>
-            <p:ph type="sldImg"/>
-          </p:nvPr>
-        </p:nvSpPr>
-        <p:spPr/>
-      </p:sp>
-      <p:sp>
-        <p:nvSpPr>
-          <p:cNvPr id="3" name="备注占位符 2"/>
-          <p:cNvSpPr>
-            <a:spLocks noGrp="1"/>
-          </p:cNvSpPr>
-          <p:nvPr>
-            <p:ph type="body" idx="1"/>
-          </p:nvPr>
-        </p:nvSpPr>
-        <p:spPr/>
-        <p:txBody>
-          <a:bodyPr>
-            <a:normAutofit/>
-          </a:bodyPr>
-          <a:lstStyle/>
-          <a:p>
-            <a:r>
               <a:rPr lang="en-US" altLang="zh-CN" dirty="0" smtClean="0"/>
               <a:t>http://www.admin10000.com/document/1085.html</a:t>
             </a:r>
@@ -724,7 +641,8 @@
           <a:p>
             <a:fld id="{78D31FA2-728A-49A8-B119-6E2F1BD069D1}" type="slidenum">
               <a:rPr lang="zh-CN" altLang="en-US" smtClean="0"/>
-              <a:t>12</a:t>
+              <a:pPr/>
+              <a:t>11</a:t>
             </a:fld>
             <a:endParaRPr lang="zh-CN" altLang="en-US"/>
           </a:p>
@@ -809,6 +727,7 @@
           <a:p>
             <a:fld id="{78D31FA2-728A-49A8-B119-6E2F1BD069D1}" type="slidenum">
               <a:rPr lang="zh-CN" altLang="en-US" smtClean="0"/>
+              <a:pPr/>
               <a:t>2</a:t>
             </a:fld>
             <a:endParaRPr lang="zh-CN" altLang="en-US"/>
@@ -961,6 +880,7 @@
           <a:p>
             <a:fld id="{78D31FA2-728A-49A8-B119-6E2F1BD069D1}" type="slidenum">
               <a:rPr lang="zh-CN" altLang="en-US" smtClean="0"/>
+              <a:pPr/>
               <a:t>3</a:t>
             </a:fld>
             <a:endParaRPr lang="zh-CN" altLang="en-US"/>
@@ -1092,6 +1012,7 @@
           <a:p>
             <a:fld id="{78D31FA2-728A-49A8-B119-6E2F1BD069D1}" type="slidenum">
               <a:rPr lang="zh-CN" altLang="en-US" smtClean="0"/>
+              <a:pPr/>
               <a:t>4</a:t>
             </a:fld>
             <a:endParaRPr lang="zh-CN" altLang="en-US"/>
@@ -1233,6 +1154,7 @@
           <a:p>
             <a:fld id="{78D31FA2-728A-49A8-B119-6E2F1BD069D1}" type="slidenum">
               <a:rPr lang="zh-CN" altLang="en-US" smtClean="0"/>
+              <a:pPr/>
               <a:t>5</a:t>
             </a:fld>
             <a:endParaRPr lang="zh-CN" altLang="en-US"/>
@@ -1360,6 +1282,7 @@
           <a:p>
             <a:fld id="{78D31FA2-728A-49A8-B119-6E2F1BD069D1}" type="slidenum">
               <a:rPr lang="zh-CN" altLang="en-US" smtClean="0"/>
+              <a:pPr/>
               <a:t>6</a:t>
             </a:fld>
             <a:endParaRPr lang="zh-CN" altLang="en-US"/>
@@ -1459,6 +1382,7 @@
           <a:p>
             <a:fld id="{78D31FA2-728A-49A8-B119-6E2F1BD069D1}" type="slidenum">
               <a:rPr lang="zh-CN" altLang="en-US" smtClean="0"/>
+              <a:pPr/>
               <a:t>7</a:t>
             </a:fld>
             <a:endParaRPr lang="zh-CN" altLang="en-US"/>
@@ -1616,6 +1540,7 @@
           <a:p>
             <a:fld id="{78D31FA2-728A-49A8-B119-6E2F1BD069D1}" type="slidenum">
               <a:rPr lang="zh-CN" altLang="en-US" smtClean="0"/>
+              <a:pPr/>
               <a:t>8</a:t>
             </a:fld>
             <a:endParaRPr lang="zh-CN" altLang="en-US"/>
@@ -1736,6 +1661,7 @@
           <a:p>
             <a:fld id="{78D31FA2-728A-49A8-B119-6E2F1BD069D1}" type="slidenum">
               <a:rPr lang="zh-CN" altLang="en-US" smtClean="0"/>
+              <a:pPr/>
               <a:t>9</a:t>
             </a:fld>
             <a:endParaRPr lang="zh-CN" altLang="en-US"/>
@@ -1932,7 +1858,7 @@
             <a:fld id="{530820CF-B880-4189-942D-D702A7CBA730}" type="datetimeFigureOut">
               <a:rPr lang="zh-CN" altLang="en-US" smtClean="0"/>
               <a:pPr/>
-              <a:t>2015/7/21 Tuesday</a:t>
+              <a:t>2015/7/29 Wednesday</a:t>
             </a:fld>
             <a:endParaRPr lang="zh-CN" altLang="en-US"/>
           </a:p>
@@ -2099,7 +2025,7 @@
             <a:fld id="{530820CF-B880-4189-942D-D702A7CBA730}" type="datetimeFigureOut">
               <a:rPr lang="zh-CN" altLang="en-US" smtClean="0"/>
               <a:pPr/>
-              <a:t>2015/7/21 Tuesday</a:t>
+              <a:t>2015/7/29 Wednesday</a:t>
             </a:fld>
             <a:endParaRPr lang="zh-CN" altLang="en-US"/>
           </a:p>
@@ -2276,7 +2202,7 @@
             <a:fld id="{530820CF-B880-4189-942D-D702A7CBA730}" type="datetimeFigureOut">
               <a:rPr lang="zh-CN" altLang="en-US" smtClean="0"/>
               <a:pPr/>
-              <a:t>2015/7/21 Tuesday</a:t>
+              <a:t>2015/7/29 Wednesday</a:t>
             </a:fld>
             <a:endParaRPr lang="zh-CN" altLang="en-US"/>
           </a:p>
@@ -2443,7 +2369,7 @@
             <a:fld id="{530820CF-B880-4189-942D-D702A7CBA730}" type="datetimeFigureOut">
               <a:rPr lang="zh-CN" altLang="en-US" smtClean="0"/>
               <a:pPr/>
-              <a:t>2015/7/21 Tuesday</a:t>
+              <a:t>2015/7/29 Wednesday</a:t>
             </a:fld>
             <a:endParaRPr lang="zh-CN" altLang="en-US"/>
           </a:p>
@@ -2686,7 +2612,7 @@
             <a:fld id="{530820CF-B880-4189-942D-D702A7CBA730}" type="datetimeFigureOut">
               <a:rPr lang="zh-CN" altLang="en-US" smtClean="0"/>
               <a:pPr/>
-              <a:t>2015/7/21 Tuesday</a:t>
+              <a:t>2015/7/29 Wednesday</a:t>
             </a:fld>
             <a:endParaRPr lang="zh-CN" altLang="en-US"/>
           </a:p>
@@ -2971,7 +2897,7 @@
             <a:fld id="{530820CF-B880-4189-942D-D702A7CBA730}" type="datetimeFigureOut">
               <a:rPr lang="zh-CN" altLang="en-US" smtClean="0"/>
               <a:pPr/>
-              <a:t>2015/7/21 Tuesday</a:t>
+              <a:t>2015/7/29 Wednesday</a:t>
             </a:fld>
             <a:endParaRPr lang="zh-CN" altLang="en-US"/>
           </a:p>
@@ -3390,7 +3316,7 @@
             <a:fld id="{530820CF-B880-4189-942D-D702A7CBA730}" type="datetimeFigureOut">
               <a:rPr lang="zh-CN" altLang="en-US" smtClean="0"/>
               <a:pPr/>
-              <a:t>2015/7/21 Tuesday</a:t>
+              <a:t>2015/7/29 Wednesday</a:t>
             </a:fld>
             <a:endParaRPr lang="zh-CN" altLang="en-US"/>
           </a:p>
@@ -3505,7 +3431,7 @@
             <a:fld id="{530820CF-B880-4189-942D-D702A7CBA730}" type="datetimeFigureOut">
               <a:rPr lang="zh-CN" altLang="en-US" smtClean="0"/>
               <a:pPr/>
-              <a:t>2015/7/21 Tuesday</a:t>
+              <a:t>2015/7/29 Wednesday</a:t>
             </a:fld>
             <a:endParaRPr lang="zh-CN" altLang="en-US"/>
           </a:p>
@@ -3597,7 +3523,7 @@
             <a:fld id="{530820CF-B880-4189-942D-D702A7CBA730}" type="datetimeFigureOut">
               <a:rPr lang="zh-CN" altLang="en-US" smtClean="0"/>
               <a:pPr/>
-              <a:t>2015/7/21 Tuesday</a:t>
+              <a:t>2015/7/29 Wednesday</a:t>
             </a:fld>
             <a:endParaRPr lang="zh-CN" altLang="en-US"/>
           </a:p>
@@ -3871,7 +3797,7 @@
             <a:fld id="{530820CF-B880-4189-942D-D702A7CBA730}" type="datetimeFigureOut">
               <a:rPr lang="zh-CN" altLang="en-US" smtClean="0"/>
               <a:pPr/>
-              <a:t>2015/7/21 Tuesday</a:t>
+              <a:t>2015/7/29 Wednesday</a:t>
             </a:fld>
             <a:endParaRPr lang="zh-CN" altLang="en-US"/>
           </a:p>
@@ -4121,7 +4047,7 @@
             <a:fld id="{530820CF-B880-4189-942D-D702A7CBA730}" type="datetimeFigureOut">
               <a:rPr lang="zh-CN" altLang="en-US" smtClean="0"/>
               <a:pPr/>
-              <a:t>2015/7/21 Tuesday</a:t>
+              <a:t>2015/7/29 Wednesday</a:t>
             </a:fld>
             <a:endParaRPr lang="zh-CN" altLang="en-US"/>
           </a:p>
@@ -4331,7 +4257,7 @@
             <a:fld id="{530820CF-B880-4189-942D-D702A7CBA730}" type="datetimeFigureOut">
               <a:rPr lang="zh-CN" altLang="en-US" smtClean="0"/>
               <a:pPr/>
-              <a:t>2015/7/21 Tuesday</a:t>
+              <a:t>2015/7/29 Wednesday</a:t>
             </a:fld>
             <a:endParaRPr lang="zh-CN" altLang="en-US"/>
           </a:p>
@@ -4735,8 +4661,8 @@
         </p:nvSpPr>
         <p:spPr>
           <a:xfrm>
-            <a:off x="1259632" y="1340768"/>
-            <a:ext cx="877163" cy="369332"/>
+            <a:off x="1763688" y="908720"/>
+            <a:ext cx="3185487" cy="1754326"/>
           </a:xfrm>
           <a:prstGeom prst="rect">
             <a:avLst/>
@@ -4751,11 +4677,93 @@
           <a:p>
             <a:r>
               <a:rPr lang="zh-CN" altLang="en-US" dirty="0" smtClean="0"/>
-              <a:t>中</a:t>
-            </a:r>
-            <a:r>
-              <a:rPr lang="zh-CN" altLang="en-US" dirty="0" smtClean="0"/>
-              <a:t>介者</a:t>
+              <a:t>其它的：</a:t>
+            </a:r>
+            <a:endParaRPr lang="en-US" altLang="zh-CN" dirty="0" smtClean="0"/>
+          </a:p>
+          <a:p>
+            <a:endParaRPr lang="en-US" altLang="zh-CN" dirty="0" smtClean="0"/>
+          </a:p>
+          <a:p>
+            <a:r>
+              <a:rPr lang="zh-CN" altLang="en-US" dirty="0" smtClean="0"/>
+              <a:t>备忘</a:t>
+            </a:r>
+            <a:r>
+              <a:rPr lang="en-US" altLang="zh-CN" dirty="0" smtClean="0"/>
+              <a:t>【</a:t>
+            </a:r>
+            <a:r>
+              <a:rPr lang="zh-CN" altLang="en-US" dirty="0" smtClean="0"/>
+              <a:t>缓存啦</a:t>
+            </a:r>
+            <a:r>
+              <a:rPr lang="en-US" altLang="zh-CN" dirty="0" smtClean="0"/>
+              <a:t>】</a:t>
+            </a:r>
+            <a:r>
+              <a:rPr lang="zh-CN" altLang="en-US" dirty="0" smtClean="0"/>
+              <a:t>，</a:t>
+            </a:r>
+            <a:endParaRPr lang="en-US" altLang="zh-CN" dirty="0" smtClean="0"/>
+          </a:p>
+          <a:p>
+            <a:r>
+              <a:rPr lang="zh-CN" altLang="en-US" dirty="0" smtClean="0"/>
+              <a:t>状态</a:t>
+            </a:r>
+            <a:r>
+              <a:rPr lang="en-US" altLang="zh-CN" dirty="0" smtClean="0"/>
+              <a:t>【</a:t>
+            </a:r>
+            <a:r>
+              <a:rPr lang="zh-CN" altLang="en-US" dirty="0" smtClean="0"/>
+              <a:t>根据状态进行管理</a:t>
+            </a:r>
+            <a:r>
+              <a:rPr lang="en-US" altLang="zh-CN" dirty="0" smtClean="0"/>
+              <a:t>】</a:t>
+            </a:r>
+            <a:r>
+              <a:rPr lang="zh-CN" altLang="en-US" dirty="0" smtClean="0"/>
+              <a:t>，</a:t>
+            </a:r>
+            <a:endParaRPr lang="en-US" altLang="zh-CN" dirty="0" smtClean="0"/>
+          </a:p>
+          <a:p>
+            <a:r>
+              <a:rPr lang="zh-CN" altLang="en-US" dirty="0" smtClean="0"/>
+              <a:t>组合</a:t>
+            </a:r>
+            <a:r>
+              <a:rPr lang="en-US" altLang="zh-CN" dirty="0" smtClean="0"/>
+              <a:t>【</a:t>
+            </a:r>
+            <a:r>
+              <a:rPr lang="zh-CN" altLang="en-US" dirty="0" smtClean="0"/>
+              <a:t>整个数组进行操作</a:t>
+            </a:r>
+            <a:r>
+              <a:rPr lang="en-US" altLang="zh-CN" dirty="0" smtClean="0"/>
+              <a:t>..】</a:t>
+            </a:r>
+          </a:p>
+          <a:p>
+            <a:r>
+              <a:rPr lang="zh-CN" altLang="en-US" dirty="0" smtClean="0"/>
+              <a:t>迭代器</a:t>
+            </a:r>
+            <a:r>
+              <a:rPr lang="en-US" altLang="zh-CN" dirty="0" smtClean="0"/>
+              <a:t>【</a:t>
+            </a:r>
+            <a:r>
+              <a:rPr lang="zh-CN" altLang="en-US" dirty="0" smtClean="0"/>
+              <a:t>数组遍历的方法</a:t>
+            </a:r>
+            <a:r>
+              <a:rPr lang="en-US" altLang="zh-CN" dirty="0" smtClean="0"/>
+              <a:t>】</a:t>
             </a:r>
             <a:endParaRPr lang="zh-CN" altLang="en-US" dirty="0"/>
           </a:p>
@@ -4770,159 +4778,6 @@
 </file>
 
 <file path=ppt/slides/slide11.xml><?xml version="1.0" encoding="utf-8"?>
-<p:sld xmlns:a="http://schemas.openxmlformats.org/drawingml/2006/main" xmlns:r="http://schemas.openxmlformats.org/officeDocument/2006/relationships" xmlns:p="http://schemas.openxmlformats.org/presentationml/2006/main">
-  <p:cSld>
-    <p:spTree>
-      <p:nvGrpSpPr>
-        <p:cNvPr id="1" name=""/>
-        <p:cNvGrpSpPr/>
-        <p:nvPr/>
-      </p:nvGrpSpPr>
-      <p:grpSpPr>
-        <a:xfrm>
-          <a:off x="0" y="0"/>
-          <a:ext cx="0" cy="0"/>
-          <a:chOff x="0" y="0"/>
-          <a:chExt cx="0" cy="0"/>
-        </a:xfrm>
-      </p:grpSpPr>
-      <p:sp>
-        <p:nvSpPr>
-          <p:cNvPr id="2" name="TextBox 1"/>
-          <p:cNvSpPr txBox="1"/>
-          <p:nvPr/>
-        </p:nvSpPr>
-        <p:spPr>
-          <a:xfrm>
-            <a:off x="1763688" y="908720"/>
-            <a:ext cx="3185487" cy="1754326"/>
-          </a:xfrm>
-          <a:prstGeom prst="rect">
-            <a:avLst/>
-          </a:prstGeom>
-          <a:noFill/>
-        </p:spPr>
-        <p:txBody>
-          <a:bodyPr wrap="none" rtlCol="0">
-            <a:spAutoFit/>
-          </a:bodyPr>
-          <a:lstStyle/>
-          <a:p>
-            <a:r>
-              <a:rPr lang="zh-CN" altLang="en-US" dirty="0" smtClean="0"/>
-              <a:t>其它的：</a:t>
-            </a:r>
-            <a:endParaRPr lang="en-US" altLang="zh-CN" dirty="0" smtClean="0"/>
-          </a:p>
-          <a:p>
-            <a:endParaRPr lang="en-US" altLang="zh-CN" dirty="0" smtClean="0"/>
-          </a:p>
-          <a:p>
-            <a:r>
-              <a:rPr lang="zh-CN" altLang="en-US" dirty="0" smtClean="0"/>
-              <a:t>备忘</a:t>
-            </a:r>
-            <a:r>
-              <a:rPr lang="en-US" altLang="zh-CN" dirty="0" smtClean="0"/>
-              <a:t>【</a:t>
-            </a:r>
-            <a:r>
-              <a:rPr lang="zh-CN" altLang="en-US" dirty="0" smtClean="0"/>
-              <a:t>缓存啦</a:t>
-            </a:r>
-            <a:r>
-              <a:rPr lang="en-US" altLang="zh-CN" dirty="0" smtClean="0"/>
-              <a:t>】</a:t>
-            </a:r>
-            <a:r>
-              <a:rPr lang="zh-CN" altLang="en-US" dirty="0" smtClean="0"/>
-              <a:t>，</a:t>
-            </a:r>
-            <a:endParaRPr lang="en-US" altLang="zh-CN" dirty="0" smtClean="0"/>
-          </a:p>
-          <a:p>
-            <a:r>
-              <a:rPr lang="zh-CN" altLang="en-US" dirty="0" smtClean="0"/>
-              <a:t>状</a:t>
-            </a:r>
-            <a:r>
-              <a:rPr lang="zh-CN" altLang="en-US" dirty="0" smtClean="0"/>
-              <a:t>态</a:t>
-            </a:r>
-            <a:r>
-              <a:rPr lang="en-US" altLang="zh-CN" dirty="0" smtClean="0"/>
-              <a:t>【</a:t>
-            </a:r>
-            <a:r>
-              <a:rPr lang="zh-CN" altLang="en-US" dirty="0" smtClean="0"/>
-              <a:t>根据状态进行管理</a:t>
-            </a:r>
-            <a:r>
-              <a:rPr lang="en-US" altLang="zh-CN" dirty="0" smtClean="0"/>
-              <a:t>】</a:t>
-            </a:r>
-            <a:r>
-              <a:rPr lang="zh-CN" altLang="en-US" dirty="0" smtClean="0"/>
-              <a:t>，</a:t>
-            </a:r>
-            <a:endParaRPr lang="en-US" altLang="zh-CN" dirty="0" smtClean="0"/>
-          </a:p>
-          <a:p>
-            <a:r>
-              <a:rPr lang="zh-CN" altLang="en-US" dirty="0" smtClean="0"/>
-              <a:t>组</a:t>
-            </a:r>
-            <a:r>
-              <a:rPr lang="zh-CN" altLang="en-US" dirty="0" smtClean="0"/>
-              <a:t>合</a:t>
-            </a:r>
-            <a:r>
-              <a:rPr lang="en-US" altLang="zh-CN" dirty="0" smtClean="0"/>
-              <a:t>【</a:t>
-            </a:r>
-            <a:r>
-              <a:rPr lang="zh-CN" altLang="en-US" dirty="0" smtClean="0"/>
-              <a:t>整个数组进行操作</a:t>
-            </a:r>
-            <a:r>
-              <a:rPr lang="en-US" altLang="zh-CN" dirty="0" smtClean="0"/>
-              <a:t>..】</a:t>
-            </a:r>
-          </a:p>
-          <a:p>
-            <a:r>
-              <a:rPr lang="zh-CN" altLang="en-US" dirty="0" smtClean="0"/>
-              <a:t>迭</a:t>
-            </a:r>
-            <a:r>
-              <a:rPr lang="zh-CN" altLang="en-US" dirty="0" smtClean="0"/>
-              <a:t>代器</a:t>
-            </a:r>
-            <a:r>
-              <a:rPr lang="en-US" altLang="zh-CN" dirty="0" smtClean="0"/>
-              <a:t>【</a:t>
-            </a:r>
-            <a:r>
-              <a:rPr lang="zh-CN" altLang="en-US" dirty="0" smtClean="0"/>
-              <a:t>数组遍历的方法</a:t>
-            </a:r>
-            <a:r>
-              <a:rPr lang="en-US" altLang="zh-CN" dirty="0" smtClean="0"/>
-              <a:t>】</a:t>
-            </a:r>
-            <a:endParaRPr lang="zh-CN" altLang="en-US" dirty="0"/>
-          </a:p>
-        </p:txBody>
-      </p:sp>
-    </p:spTree>
-  </p:cSld>
-  <p:clrMapOvr>
-    <a:masterClrMapping/>
-  </p:clrMapOvr>
-</p:sld>
-</file>
-
-<file path=ppt/slides/slide12.xml><?xml version="1.0" encoding="utf-8"?>
 <p:sld xmlns:a="http://schemas.openxmlformats.org/drawingml/2006/main" xmlns:r="http://schemas.openxmlformats.org/officeDocument/2006/relationships" xmlns:p="http://schemas.openxmlformats.org/presentationml/2006/main">
   <p:cSld>
     <p:spTree>
@@ -4994,6 +4849,224 @@
           </a:p>
         </p:txBody>
       </p:sp>
+      <p:sp>
+        <p:nvSpPr>
+          <p:cNvPr id="3" name="TextBox 2"/>
+          <p:cNvSpPr txBox="1"/>
+          <p:nvPr/>
+        </p:nvSpPr>
+        <p:spPr>
+          <a:xfrm>
+            <a:off x="1187624" y="1772816"/>
+            <a:ext cx="2909771" cy="1754326"/>
+          </a:xfrm>
+          <a:prstGeom prst="rect">
+            <a:avLst/>
+          </a:prstGeom>
+          <a:noFill/>
+        </p:spPr>
+        <p:txBody>
+          <a:bodyPr wrap="none" rtlCol="0">
+            <a:spAutoFit/>
+          </a:bodyPr>
+          <a:lstStyle/>
+          <a:p>
+            <a:r>
+              <a:rPr lang="zh-CN" altLang="en-US" dirty="0" smtClean="0"/>
+              <a:t>形式</a:t>
+            </a:r>
+            <a:r>
+              <a:rPr lang="en-US" altLang="zh-CN" dirty="0" smtClean="0"/>
+              <a:t>1</a:t>
+            </a:r>
+            <a:r>
+              <a:rPr lang="zh-CN" altLang="en-US" dirty="0" smtClean="0"/>
+              <a:t>：</a:t>
+            </a:r>
+            <a:endParaRPr lang="en-US" altLang="zh-CN" dirty="0" smtClean="0"/>
+          </a:p>
+          <a:p>
+            <a:endParaRPr lang="en-US" altLang="zh-CN" dirty="0" smtClean="0"/>
+          </a:p>
+          <a:p>
+            <a:r>
+              <a:rPr lang="en-US" altLang="zh-CN" dirty="0" err="1" smtClean="0"/>
+              <a:t>var</a:t>
+            </a:r>
+            <a:r>
+              <a:rPr lang="en-US" altLang="zh-CN" dirty="0" smtClean="0"/>
+              <a:t> </a:t>
+            </a:r>
+            <a:r>
+              <a:rPr lang="en-US" altLang="zh-CN" dirty="0" err="1" smtClean="0"/>
+              <a:t>Util</a:t>
+            </a:r>
+            <a:r>
+              <a:rPr lang="en-US" altLang="zh-CN" dirty="0" smtClean="0"/>
+              <a:t> = {};</a:t>
+            </a:r>
+          </a:p>
+          <a:p>
+            <a:endParaRPr lang="en-US" altLang="zh-CN" dirty="0" smtClean="0"/>
+          </a:p>
+          <a:p>
+            <a:r>
+              <a:rPr lang="en-US" altLang="zh-CN" dirty="0" err="1" smtClean="0"/>
+              <a:t>Util</a:t>
+            </a:r>
+            <a:r>
+              <a:rPr lang="en-US" altLang="zh-CN" dirty="0" smtClean="0"/>
+              <a:t>[“</a:t>
+            </a:r>
+            <a:r>
+              <a:rPr lang="en-US" altLang="zh-CN" dirty="0" err="1" smtClean="0"/>
+              <a:t>isArray</a:t>
+            </a:r>
+            <a:r>
+              <a:rPr lang="en-US" altLang="zh-CN" dirty="0" smtClean="0"/>
+              <a:t>”] = function(){}</a:t>
+            </a:r>
+          </a:p>
+          <a:p>
+            <a:r>
+              <a:rPr lang="en-US" altLang="zh-CN" dirty="0" err="1" smtClean="0"/>
+              <a:t>Util</a:t>
+            </a:r>
+            <a:r>
+              <a:rPr lang="en-US" altLang="zh-CN" dirty="0" smtClean="0"/>
+              <a:t>[“</a:t>
+            </a:r>
+            <a:r>
+              <a:rPr lang="en-US" altLang="zh-CN" dirty="0" err="1" smtClean="0"/>
+              <a:t>isObject</a:t>
+            </a:r>
+            <a:r>
+              <a:rPr lang="en-US" altLang="zh-CN" dirty="0" smtClean="0"/>
+              <a:t>”] = function(){}</a:t>
+            </a:r>
+            <a:endParaRPr lang="zh-CN" altLang="en-US" dirty="0"/>
+          </a:p>
+        </p:txBody>
+      </p:sp>
+      <p:sp>
+        <p:nvSpPr>
+          <p:cNvPr id="4" name="TextBox 3"/>
+          <p:cNvSpPr txBox="1"/>
+          <p:nvPr/>
+        </p:nvSpPr>
+        <p:spPr>
+          <a:xfrm>
+            <a:off x="5364088" y="1700808"/>
+            <a:ext cx="2323970" cy="2585323"/>
+          </a:xfrm>
+          <a:prstGeom prst="rect">
+            <a:avLst/>
+          </a:prstGeom>
+          <a:noFill/>
+        </p:spPr>
+        <p:txBody>
+          <a:bodyPr wrap="none" rtlCol="0">
+            <a:spAutoFit/>
+          </a:bodyPr>
+          <a:lstStyle/>
+          <a:p>
+            <a:r>
+              <a:rPr lang="zh-CN" altLang="en-US" dirty="0" smtClean="0"/>
+              <a:t>形式</a:t>
+            </a:r>
+            <a:r>
+              <a:rPr lang="en-US" altLang="zh-CN" dirty="0" smtClean="0"/>
+              <a:t>2:</a:t>
+            </a:r>
+          </a:p>
+          <a:p>
+            <a:endParaRPr lang="en-US" altLang="zh-CN" dirty="0" smtClean="0"/>
+          </a:p>
+          <a:p>
+            <a:r>
+              <a:rPr lang="en-US" altLang="zh-CN" dirty="0" err="1" smtClean="0"/>
+              <a:t>v</a:t>
+            </a:r>
+            <a:r>
+              <a:rPr lang="en-US" altLang="zh-CN" dirty="0" err="1" smtClean="0"/>
+              <a:t>ar</a:t>
+            </a:r>
+            <a:r>
+              <a:rPr lang="en-US" altLang="zh-CN" dirty="0" smtClean="0"/>
+              <a:t> _instance = {};</a:t>
+            </a:r>
+          </a:p>
+          <a:p>
+            <a:endParaRPr lang="en-US" altLang="zh-CN" dirty="0" smtClean="0"/>
+          </a:p>
+          <a:p>
+            <a:r>
+              <a:rPr lang="en-US" altLang="zh-CN" dirty="0" smtClean="0"/>
+              <a:t>f</a:t>
+            </a:r>
+            <a:r>
+              <a:rPr lang="en-US" altLang="zh-CN" dirty="0" smtClean="0"/>
+              <a:t>unction </a:t>
+            </a:r>
+            <a:r>
+              <a:rPr lang="en-US" altLang="zh-CN" dirty="0" err="1" smtClean="0"/>
+              <a:t>getInstance</a:t>
+            </a:r>
+            <a:r>
+              <a:rPr lang="en-US" altLang="zh-CN" dirty="0" smtClean="0"/>
+              <a:t>(){</a:t>
+            </a:r>
+          </a:p>
+          <a:p>
+            <a:r>
+              <a:rPr lang="en-US" altLang="zh-CN" dirty="0" smtClean="0"/>
+              <a:t> </a:t>
+            </a:r>
+            <a:r>
+              <a:rPr lang="en-US" altLang="zh-CN" dirty="0" smtClean="0"/>
+              <a:t>   return _instance;</a:t>
+            </a:r>
+            <a:endParaRPr lang="en-US" altLang="zh-CN" dirty="0" smtClean="0"/>
+          </a:p>
+          <a:p>
+            <a:r>
+              <a:rPr lang="en-US" altLang="zh-CN" dirty="0" smtClean="0"/>
+              <a:t>}</a:t>
+            </a:r>
+            <a:endParaRPr lang="en-US" altLang="zh-CN" dirty="0" smtClean="0"/>
+          </a:p>
+          <a:p>
+            <a:endParaRPr lang="en-US" altLang="zh-CN" dirty="0" smtClean="0"/>
+          </a:p>
+          <a:p>
+            <a:r>
+              <a:rPr lang="en-US" altLang="zh-CN" dirty="0" err="1" smtClean="0"/>
+              <a:t>var</a:t>
+            </a:r>
+            <a:r>
+              <a:rPr lang="en-US" altLang="zh-CN" dirty="0" smtClean="0"/>
+              <a:t> </a:t>
+            </a:r>
+            <a:r>
+              <a:rPr lang="en-US" altLang="zh-CN" dirty="0" err="1" smtClean="0"/>
+              <a:t>ina</a:t>
+            </a:r>
+            <a:r>
+              <a:rPr lang="en-US" altLang="zh-CN" dirty="0" smtClean="0"/>
+              <a:t> = </a:t>
+            </a:r>
+            <a:r>
+              <a:rPr lang="en-US" altLang="zh-CN" dirty="0" err="1" smtClean="0"/>
+              <a:t>getInstance</a:t>
+            </a:r>
+            <a:r>
+              <a:rPr lang="en-US" altLang="zh-CN" dirty="0" smtClean="0"/>
+              <a:t>();</a:t>
+            </a:r>
+            <a:endParaRPr lang="zh-CN" altLang="en-US" dirty="0"/>
+          </a:p>
+        </p:txBody>
+      </p:sp>
     </p:spTree>
   </p:cSld>
   <p:clrMapOvr>
@@ -5049,6 +5122,118 @@
           </a:p>
         </p:txBody>
       </p:sp>
+      <p:sp>
+        <p:nvSpPr>
+          <p:cNvPr id="4" name="TextBox 3"/>
+          <p:cNvSpPr txBox="1"/>
+          <p:nvPr/>
+        </p:nvSpPr>
+        <p:spPr>
+          <a:xfrm>
+            <a:off x="2411760" y="2420888"/>
+            <a:ext cx="4108817" cy="2031325"/>
+          </a:xfrm>
+          <a:prstGeom prst="rect">
+            <a:avLst/>
+          </a:prstGeom>
+          <a:noFill/>
+        </p:spPr>
+        <p:txBody>
+          <a:bodyPr wrap="none" rtlCol="0">
+            <a:spAutoFit/>
+          </a:bodyPr>
+          <a:lstStyle/>
+          <a:p>
+            <a:r>
+              <a:rPr lang="zh-CN" altLang="en-US" dirty="0" smtClean="0"/>
+              <a:t>给传入对象，加工出相同的方法、接口</a:t>
+            </a:r>
+            <a:endParaRPr lang="en-US" altLang="zh-CN" dirty="0" smtClean="0"/>
+          </a:p>
+          <a:p>
+            <a:endParaRPr lang="en-US" altLang="zh-CN" dirty="0" smtClean="0"/>
+          </a:p>
+          <a:p>
+            <a:r>
+              <a:rPr lang="en-US" altLang="zh-CN" dirty="0" smtClean="0"/>
+              <a:t>function </a:t>
+            </a:r>
+            <a:r>
+              <a:rPr lang="en-US" altLang="zh-CN" dirty="0" err="1" smtClean="0"/>
+              <a:t>createPublisher</a:t>
+            </a:r>
+            <a:r>
+              <a:rPr lang="en-US" altLang="zh-CN" dirty="0" smtClean="0"/>
+              <a:t>(</a:t>
+            </a:r>
+            <a:r>
+              <a:rPr lang="en-US" altLang="zh-CN" dirty="0" err="1" smtClean="0"/>
+              <a:t>obj</a:t>
+            </a:r>
+            <a:r>
+              <a:rPr lang="en-US" altLang="zh-CN" dirty="0" smtClean="0"/>
+              <a:t>){</a:t>
+            </a:r>
+          </a:p>
+          <a:p>
+            <a:r>
+              <a:rPr lang="en-US" altLang="zh-CN" dirty="0" smtClean="0"/>
+              <a:t>      </a:t>
+            </a:r>
+            <a:r>
+              <a:rPr lang="en-US" altLang="zh-CN" dirty="0" err="1" smtClean="0"/>
+              <a:t>obj.on</a:t>
+            </a:r>
+            <a:r>
+              <a:rPr lang="en-US" altLang="zh-CN" dirty="0" smtClean="0"/>
+              <a:t> = function(){};</a:t>
+            </a:r>
+          </a:p>
+          <a:p>
+            <a:r>
+              <a:rPr lang="en-US" altLang="zh-CN" dirty="0" smtClean="0"/>
+              <a:t> </a:t>
+            </a:r>
+            <a:r>
+              <a:rPr lang="en-US" altLang="zh-CN" dirty="0" smtClean="0"/>
+              <a:t>     </a:t>
+            </a:r>
+            <a:r>
+              <a:rPr lang="en-US" altLang="zh-CN" dirty="0" err="1" smtClean="0"/>
+              <a:t>obj.off</a:t>
+            </a:r>
+            <a:r>
+              <a:rPr lang="en-US" altLang="zh-CN" dirty="0" smtClean="0"/>
+              <a:t> = function(){};</a:t>
+            </a:r>
+          </a:p>
+          <a:p>
+            <a:r>
+              <a:rPr lang="en-US" altLang="zh-CN" dirty="0" smtClean="0"/>
+              <a:t> </a:t>
+            </a:r>
+            <a:r>
+              <a:rPr lang="en-US" altLang="zh-CN" dirty="0" smtClean="0"/>
+              <a:t>     </a:t>
+            </a:r>
+            <a:r>
+              <a:rPr lang="en-US" altLang="zh-CN" dirty="0" err="1" smtClean="0"/>
+              <a:t>obj.fire</a:t>
+            </a:r>
+            <a:r>
+              <a:rPr lang="en-US" altLang="zh-CN" dirty="0" smtClean="0"/>
+              <a:t> = function(){};</a:t>
+            </a:r>
+          </a:p>
+          <a:p>
+            <a:r>
+              <a:rPr lang="en-US" altLang="zh-CN" dirty="0" smtClean="0"/>
+              <a:t>}</a:t>
+            </a:r>
+            <a:endParaRPr lang="zh-CN" altLang="en-US" dirty="0"/>
+          </a:p>
+        </p:txBody>
+      </p:sp>
     </p:spTree>
   </p:cSld>
   <p:clrMapOvr>
@@ -5082,7 +5267,7 @@
         </p:nvSpPr>
         <p:spPr>
           <a:xfrm>
-            <a:off x="827584" y="1124744"/>
+            <a:off x="755576" y="620688"/>
             <a:ext cx="1338828" cy="369332"/>
           </a:xfrm>
           <a:prstGeom prst="rect">
@@ -5100,6 +5285,198 @@
               <a:rPr lang="zh-CN" altLang="en-US" dirty="0" smtClean="0"/>
               <a:t>观察者模式</a:t>
             </a:r>
+            <a:endParaRPr lang="zh-CN" altLang="en-US" dirty="0"/>
+          </a:p>
+        </p:txBody>
+      </p:sp>
+      <p:sp>
+        <p:nvSpPr>
+          <p:cNvPr id="3" name="TextBox 2"/>
+          <p:cNvSpPr txBox="1"/>
+          <p:nvPr/>
+        </p:nvSpPr>
+        <p:spPr>
+          <a:xfrm>
+            <a:off x="1403648" y="1484784"/>
+            <a:ext cx="4389343" cy="2031325"/>
+          </a:xfrm>
+          <a:prstGeom prst="rect">
+            <a:avLst/>
+          </a:prstGeom>
+          <a:noFill/>
+        </p:spPr>
+        <p:txBody>
+          <a:bodyPr wrap="none" rtlCol="0">
+            <a:spAutoFit/>
+          </a:bodyPr>
+          <a:lstStyle/>
+          <a:p>
+            <a:r>
+              <a:rPr lang="zh-CN" altLang="en-US" dirty="0" smtClean="0"/>
+              <a:t>在</a:t>
+            </a:r>
+            <a:r>
+              <a:rPr lang="en-US" altLang="zh-CN" dirty="0" smtClean="0"/>
+              <a:t>DOM</a:t>
+            </a:r>
+            <a:r>
+              <a:rPr lang="zh-CN" altLang="en-US" dirty="0" smtClean="0"/>
+              <a:t>中：</a:t>
+            </a:r>
+            <a:endParaRPr lang="en-US" altLang="zh-CN" dirty="0" smtClean="0"/>
+          </a:p>
+          <a:p>
+            <a:endParaRPr lang="en-US" altLang="zh-CN" dirty="0" smtClean="0"/>
+          </a:p>
+          <a:p>
+            <a:r>
+              <a:rPr lang="en-US" altLang="zh-CN" dirty="0" err="1" smtClean="0"/>
+              <a:t>var</a:t>
+            </a:r>
+            <a:r>
+              <a:rPr lang="en-US" altLang="zh-CN" dirty="0" smtClean="0"/>
+              <a:t> div = </a:t>
+            </a:r>
+            <a:r>
+              <a:rPr lang="en-US" altLang="zh-CN" dirty="0" err="1" smtClean="0"/>
+              <a:t>document.getElementById</a:t>
+            </a:r>
+            <a:r>
+              <a:rPr lang="en-US" altLang="zh-CN" dirty="0" smtClean="0"/>
+              <a:t>(“xxx”);</a:t>
+            </a:r>
+          </a:p>
+          <a:p>
+            <a:r>
+              <a:rPr lang="en-US" altLang="zh-CN" dirty="0" err="1" smtClean="0"/>
+              <a:t>div.onclick</a:t>
+            </a:r>
+            <a:r>
+              <a:rPr lang="en-US" altLang="zh-CN" dirty="0" smtClean="0"/>
+              <a:t> = function(){</a:t>
+            </a:r>
+          </a:p>
+          <a:p>
+            <a:r>
+              <a:rPr lang="en-US" altLang="zh-CN" dirty="0" smtClean="0"/>
+              <a:t>	</a:t>
+            </a:r>
+            <a:r>
+              <a:rPr lang="en-US" altLang="zh-CN" dirty="0" smtClean="0"/>
+              <a:t>// </a:t>
+            </a:r>
+            <a:r>
+              <a:rPr lang="zh-CN" altLang="en-US" dirty="0" smtClean="0"/>
+              <a:t>订阅了</a:t>
+            </a:r>
+            <a:r>
+              <a:rPr lang="en-US" altLang="zh-CN" dirty="0" err="1" smtClean="0"/>
+              <a:t>dom</a:t>
+            </a:r>
+            <a:r>
+              <a:rPr lang="zh-CN" altLang="en-US" dirty="0" smtClean="0"/>
+              <a:t>对象的点击事件</a:t>
+            </a:r>
+            <a:endParaRPr lang="en-US" altLang="zh-CN" dirty="0" smtClean="0"/>
+          </a:p>
+          <a:p>
+            <a:r>
+              <a:rPr lang="en-US" altLang="zh-CN" dirty="0" smtClean="0"/>
+              <a:t>	</a:t>
+            </a:r>
+            <a:r>
+              <a:rPr lang="en-US" altLang="zh-CN" dirty="0" smtClean="0"/>
+              <a:t>// </a:t>
+            </a:r>
+            <a:r>
+              <a:rPr lang="zh-CN" altLang="en-US" dirty="0" smtClean="0"/>
+              <a:t>当</a:t>
+            </a:r>
+            <a:r>
+              <a:rPr lang="en-US" altLang="zh-CN" dirty="0" smtClean="0"/>
+              <a:t>div</a:t>
+            </a:r>
+            <a:r>
+              <a:rPr lang="zh-CN" altLang="en-US" dirty="0" smtClean="0"/>
+              <a:t>点击后，会触发这个函数</a:t>
+            </a:r>
+            <a:endParaRPr lang="en-US" altLang="zh-CN" dirty="0" smtClean="0"/>
+          </a:p>
+          <a:p>
+            <a:r>
+              <a:rPr lang="en-US" altLang="zh-CN" dirty="0" smtClean="0"/>
+              <a:t>}</a:t>
+            </a:r>
+            <a:endParaRPr lang="zh-CN" altLang="en-US" dirty="0"/>
+          </a:p>
+        </p:txBody>
+      </p:sp>
+      <p:sp>
+        <p:nvSpPr>
+          <p:cNvPr id="4" name="TextBox 3"/>
+          <p:cNvSpPr txBox="1"/>
+          <p:nvPr/>
+        </p:nvSpPr>
+        <p:spPr>
+          <a:xfrm>
+            <a:off x="1547664" y="4077072"/>
+            <a:ext cx="2265107" cy="1754326"/>
+          </a:xfrm>
+          <a:prstGeom prst="rect">
+            <a:avLst/>
+          </a:prstGeom>
+          <a:noFill/>
+        </p:spPr>
+        <p:txBody>
+          <a:bodyPr wrap="none" rtlCol="0">
+            <a:spAutoFit/>
+          </a:bodyPr>
+          <a:lstStyle/>
+          <a:p>
+            <a:r>
+              <a:rPr lang="en-US" altLang="zh-CN" dirty="0" err="1" smtClean="0"/>
+              <a:t>jQuery</a:t>
+            </a:r>
+            <a:r>
+              <a:rPr lang="zh-CN" altLang="en-US" dirty="0" smtClean="0"/>
+              <a:t>中</a:t>
+            </a:r>
+            <a:r>
+              <a:rPr lang="en-US" altLang="zh-CN" dirty="0" smtClean="0"/>
+              <a:t>:</a:t>
+            </a:r>
+          </a:p>
+          <a:p>
+            <a:endParaRPr lang="en-US" altLang="zh-CN" dirty="0" smtClean="0"/>
+          </a:p>
+          <a:p>
+            <a:r>
+              <a:rPr lang="en-US" altLang="zh-CN" dirty="0" err="1" smtClean="0"/>
+              <a:t>var</a:t>
+            </a:r>
+            <a:r>
+              <a:rPr lang="en-US" altLang="zh-CN" dirty="0" smtClean="0"/>
+              <a:t> def = $.Deferred();</a:t>
+            </a:r>
+          </a:p>
+          <a:p>
+            <a:r>
+              <a:rPr lang="en-US" altLang="zh-CN" dirty="0" err="1" smtClean="0"/>
+              <a:t>def.done</a:t>
+            </a:r>
+            <a:r>
+              <a:rPr lang="en-US" altLang="zh-CN" dirty="0" smtClean="0"/>
+              <a:t>(function(){})</a:t>
+            </a:r>
+          </a:p>
+          <a:p>
+            <a:r>
+              <a:rPr lang="en-US" altLang="zh-CN" dirty="0" smtClean="0"/>
+              <a:t>      .fail(function(){});</a:t>
+            </a:r>
+            <a:endParaRPr lang="en-US" altLang="zh-CN" dirty="0" smtClean="0"/>
+          </a:p>
+          <a:p>
             <a:endParaRPr lang="zh-CN" altLang="en-US" dirty="0"/>
           </a:p>
         </p:txBody>
@@ -5159,6 +5536,151 @@
           </a:p>
         </p:txBody>
       </p:sp>
+      <p:sp>
+        <p:nvSpPr>
+          <p:cNvPr id="3" name="TextBox 2"/>
+          <p:cNvSpPr txBox="1"/>
+          <p:nvPr/>
+        </p:nvSpPr>
+        <p:spPr>
+          <a:xfrm>
+            <a:off x="1259632" y="1988840"/>
+            <a:ext cx="5829545" cy="2862322"/>
+          </a:xfrm>
+          <a:prstGeom prst="rect">
+            <a:avLst/>
+          </a:prstGeom>
+          <a:noFill/>
+        </p:spPr>
+        <p:txBody>
+          <a:bodyPr wrap="none" rtlCol="0">
+            <a:spAutoFit/>
+          </a:bodyPr>
+          <a:lstStyle/>
+          <a:p>
+            <a:r>
+              <a:rPr lang="zh-CN" altLang="en-US" dirty="0" smtClean="0"/>
+              <a:t>就是将属性进行转换</a:t>
+            </a:r>
+            <a:r>
+              <a:rPr lang="en-US" altLang="zh-CN" dirty="0" smtClean="0"/>
+              <a:t>:</a:t>
+            </a:r>
+          </a:p>
+          <a:p>
+            <a:endParaRPr lang="en-US" altLang="zh-CN" dirty="0" smtClean="0"/>
+          </a:p>
+          <a:p>
+            <a:r>
+              <a:rPr lang="en-US" altLang="zh-CN" dirty="0" err="1" smtClean="0"/>
+              <a:t>var</a:t>
+            </a:r>
+            <a:r>
+              <a:rPr lang="en-US" altLang="zh-CN" dirty="0" smtClean="0"/>
+              <a:t> data = {</a:t>
+            </a:r>
+            <a:r>
+              <a:rPr lang="en-US" altLang="zh-CN" dirty="0" err="1" smtClean="0"/>
+              <a:t>myUserName</a:t>
+            </a:r>
+            <a:r>
+              <a:rPr lang="en-US" altLang="zh-CN" dirty="0" smtClean="0"/>
+              <a:t>: “xxx”, </a:t>
+            </a:r>
+            <a:r>
+              <a:rPr lang="en-US" altLang="zh-CN" dirty="0" err="1" smtClean="0"/>
+              <a:t>myAge</a:t>
+            </a:r>
+            <a:r>
+              <a:rPr lang="en-US" altLang="zh-CN" dirty="0" smtClean="0"/>
+              <a:t>: 111};</a:t>
+            </a:r>
+          </a:p>
+          <a:p>
+            <a:endParaRPr lang="en-US" altLang="zh-CN" dirty="0" smtClean="0"/>
+          </a:p>
+          <a:p>
+            <a:r>
+              <a:rPr lang="en-US" altLang="zh-CN" dirty="0" smtClean="0"/>
+              <a:t>// </a:t>
+            </a:r>
+            <a:r>
+              <a:rPr lang="zh-CN" altLang="en-US" dirty="0" smtClean="0"/>
+              <a:t>把 </a:t>
+            </a:r>
+            <a:r>
+              <a:rPr lang="en-US" altLang="zh-CN" dirty="0" err="1" smtClean="0"/>
+              <a:t>myUserName</a:t>
+            </a:r>
+            <a:r>
+              <a:rPr lang="en-US" altLang="zh-CN" dirty="0" smtClean="0"/>
+              <a:t> -&gt; username, </a:t>
+            </a:r>
+            <a:r>
+              <a:rPr lang="en-US" altLang="zh-CN" dirty="0" err="1" smtClean="0"/>
+              <a:t>myAge</a:t>
+            </a:r>
+            <a:r>
+              <a:rPr lang="en-US" altLang="zh-CN" dirty="0" smtClean="0"/>
+              <a:t> -&gt; age</a:t>
+            </a:r>
+          </a:p>
+          <a:p>
+            <a:endParaRPr lang="en-US" altLang="zh-CN" dirty="0" smtClean="0"/>
+          </a:p>
+          <a:p>
+            <a:r>
+              <a:rPr lang="en-US" altLang="zh-CN" dirty="0" smtClean="0"/>
+              <a:t>f</a:t>
+            </a:r>
+            <a:r>
+              <a:rPr lang="en-US" altLang="zh-CN" dirty="0" smtClean="0"/>
+              <a:t>unction </a:t>
+            </a:r>
+            <a:r>
+              <a:rPr lang="en-US" altLang="zh-CN" dirty="0" err="1" smtClean="0"/>
+              <a:t>dataAdapter</a:t>
+            </a:r>
+            <a:r>
+              <a:rPr lang="en-US" altLang="zh-CN" dirty="0" smtClean="0"/>
+              <a:t>(data){</a:t>
+            </a:r>
+          </a:p>
+          <a:p>
+            <a:r>
+              <a:rPr lang="en-US" altLang="zh-CN" dirty="0" smtClean="0"/>
+              <a:t>      return {username: </a:t>
+            </a:r>
+            <a:r>
+              <a:rPr lang="en-US" altLang="zh-CN" dirty="0" err="1" smtClean="0"/>
+              <a:t>data.myUserName</a:t>
+            </a:r>
+            <a:r>
+              <a:rPr lang="en-US" altLang="zh-CN" dirty="0" smtClean="0"/>
+              <a:t>, age: </a:t>
+            </a:r>
+            <a:r>
+              <a:rPr lang="en-US" altLang="zh-CN" dirty="0" err="1" smtClean="0"/>
+              <a:t>data.myAge</a:t>
+            </a:r>
+            <a:r>
+              <a:rPr lang="en-US" altLang="zh-CN" dirty="0" smtClean="0"/>
+              <a:t>};</a:t>
+            </a:r>
+            <a:endParaRPr lang="en-US" altLang="zh-CN" dirty="0" smtClean="0"/>
+          </a:p>
+          <a:p>
+            <a:r>
+              <a:rPr lang="en-US" altLang="zh-CN" dirty="0" smtClean="0"/>
+              <a:t>}</a:t>
+            </a:r>
+            <a:endParaRPr lang="en-US" altLang="zh-CN" dirty="0" smtClean="0"/>
+          </a:p>
+          <a:p>
+            <a:endParaRPr lang="zh-CN" altLang="en-US" dirty="0"/>
+          </a:p>
+        </p:txBody>
+      </p:sp>
     </p:spTree>
   </p:cSld>
   <p:clrMapOvr>
@@ -5192,7 +5714,7 @@
         </p:nvSpPr>
         <p:spPr>
           <a:xfrm>
-            <a:off x="827584" y="1052736"/>
+            <a:off x="683568" y="404664"/>
             <a:ext cx="1107996" cy="369332"/>
           </a:xfrm>
           <a:prstGeom prst="rect">
@@ -5209,6 +5731,162 @@
             <a:r>
               <a:rPr lang="zh-CN" altLang="en-US" dirty="0" smtClean="0"/>
               <a:t>代理模式</a:t>
+            </a:r>
+            <a:endParaRPr lang="zh-CN" altLang="en-US" dirty="0"/>
+          </a:p>
+        </p:txBody>
+      </p:sp>
+      <p:sp>
+        <p:nvSpPr>
+          <p:cNvPr id="3" name="TextBox 2"/>
+          <p:cNvSpPr txBox="1"/>
+          <p:nvPr/>
+        </p:nvSpPr>
+        <p:spPr>
+          <a:xfrm>
+            <a:off x="971600" y="1556792"/>
+            <a:ext cx="7458324" cy="3139321"/>
+          </a:xfrm>
+          <a:prstGeom prst="rect">
+            <a:avLst/>
+          </a:prstGeom>
+          <a:noFill/>
+        </p:spPr>
+        <p:txBody>
+          <a:bodyPr wrap="none" rtlCol="0">
+            <a:spAutoFit/>
+          </a:bodyPr>
+          <a:lstStyle/>
+          <a:p>
+            <a:r>
+              <a:rPr lang="zh-CN" altLang="en-US" dirty="0" smtClean="0"/>
+              <a:t>如我们需要发送</a:t>
+            </a:r>
+            <a:r>
+              <a:rPr lang="en-US" altLang="zh-CN" dirty="0" err="1" smtClean="0"/>
+              <a:t>ajax</a:t>
+            </a:r>
+            <a:r>
+              <a:rPr lang="zh-CN" altLang="en-US" dirty="0" smtClean="0"/>
+              <a:t>请求，那需要对</a:t>
+            </a:r>
+            <a:r>
+              <a:rPr lang="en-US" altLang="zh-CN" dirty="0" err="1" smtClean="0"/>
+              <a:t>XMLHttpRequest</a:t>
+            </a:r>
+            <a:r>
+              <a:rPr lang="zh-CN" altLang="en-US" dirty="0" smtClean="0"/>
+              <a:t>对象进行各种配置。</a:t>
+            </a:r>
+            <a:endParaRPr lang="en-US" altLang="zh-CN" dirty="0" smtClean="0"/>
+          </a:p>
+          <a:p>
+            <a:endParaRPr lang="en-US" altLang="zh-CN" dirty="0" smtClean="0"/>
+          </a:p>
+          <a:p>
+            <a:endParaRPr lang="en-US" altLang="zh-CN" dirty="0" smtClean="0"/>
+          </a:p>
+          <a:p>
+            <a:r>
+              <a:rPr lang="zh-CN" altLang="en-US" dirty="0" smtClean="0"/>
+              <a:t>为</a:t>
+            </a:r>
+            <a:r>
+              <a:rPr lang="zh-CN" altLang="en-US" dirty="0" smtClean="0"/>
+              <a:t>了方便，我们写了几个对 </a:t>
+            </a:r>
+            <a:r>
+              <a:rPr lang="en-US" altLang="zh-CN" dirty="0" err="1" smtClean="0"/>
+              <a:t>XMLHttpRequest</a:t>
+            </a:r>
+            <a:r>
+              <a:rPr lang="zh-CN" altLang="en-US" dirty="0" smtClean="0"/>
+              <a:t>对象的封装方法</a:t>
+            </a:r>
+            <a:r>
+              <a:rPr lang="en-US" altLang="zh-CN" dirty="0" smtClean="0"/>
+              <a:t>:</a:t>
+            </a:r>
+          </a:p>
+          <a:p>
+            <a:endParaRPr lang="en-US" altLang="zh-CN" dirty="0" smtClean="0"/>
+          </a:p>
+          <a:p>
+            <a:r>
+              <a:rPr lang="en-US" altLang="zh-CN" dirty="0" smtClean="0"/>
+              <a:t>f</a:t>
+            </a:r>
+            <a:r>
+              <a:rPr lang="en-US" altLang="zh-CN" dirty="0" smtClean="0"/>
+              <a:t>unction post(){}</a:t>
+            </a:r>
+          </a:p>
+          <a:p>
+            <a:r>
+              <a:rPr lang="en-US" altLang="zh-CN" dirty="0" smtClean="0"/>
+              <a:t>f</a:t>
+            </a:r>
+            <a:r>
+              <a:rPr lang="en-US" altLang="zh-CN" dirty="0" smtClean="0"/>
+              <a:t>unction get(){}</a:t>
+            </a:r>
+          </a:p>
+          <a:p>
+            <a:r>
+              <a:rPr lang="en-US" altLang="zh-CN" dirty="0" smtClean="0"/>
+              <a:t>…</a:t>
+            </a:r>
+          </a:p>
+          <a:p>
+            <a:endParaRPr lang="en-US" altLang="zh-CN" dirty="0" smtClean="0"/>
+          </a:p>
+          <a:p>
+            <a:r>
+              <a:rPr lang="zh-CN" altLang="en-US" dirty="0" smtClean="0"/>
+              <a:t>以后的</a:t>
+            </a:r>
+            <a:r>
+              <a:rPr lang="en-US" altLang="zh-CN" dirty="0" err="1" smtClean="0"/>
+              <a:t>ajax</a:t>
+            </a:r>
+            <a:r>
+              <a:rPr lang="zh-CN" altLang="en-US" dirty="0" smtClean="0"/>
+              <a:t>，就使用</a:t>
+            </a:r>
+            <a:r>
+              <a:rPr lang="en-US" altLang="zh-CN" dirty="0" smtClean="0"/>
+              <a:t>post</a:t>
+            </a:r>
+            <a:r>
+              <a:rPr lang="zh-CN" altLang="en-US" dirty="0" smtClean="0"/>
+              <a:t>和</a:t>
+            </a:r>
+            <a:r>
+              <a:rPr lang="en-US" altLang="zh-CN" dirty="0" smtClean="0"/>
+              <a:t>get</a:t>
+            </a:r>
+            <a:r>
+              <a:rPr lang="zh-CN" altLang="en-US" dirty="0" smtClean="0"/>
+              <a:t>方法代替就</a:t>
+            </a:r>
+            <a:r>
+              <a:rPr lang="en-US" altLang="zh-CN" dirty="0" smtClean="0"/>
+              <a:t>OK</a:t>
+            </a:r>
+            <a:r>
+              <a:rPr lang="zh-CN" altLang="en-US" dirty="0" smtClean="0"/>
+              <a:t>了。</a:t>
+            </a:r>
+            <a:endParaRPr lang="en-US" altLang="zh-CN" dirty="0" smtClean="0"/>
+          </a:p>
+          <a:p>
+            <a:r>
+              <a:rPr lang="zh-CN" altLang="en-US" dirty="0" smtClean="0"/>
+              <a:t>这</a:t>
+            </a:r>
+            <a:r>
+              <a:rPr lang="zh-CN" altLang="en-US" dirty="0" smtClean="0"/>
+              <a:t>种代替，就是代理模式</a:t>
             </a:r>
             <a:endParaRPr lang="zh-CN" altLang="en-US" dirty="0"/>
           </a:p>
@@ -5247,7 +5925,7 @@
         </p:nvSpPr>
         <p:spPr>
           <a:xfrm>
-            <a:off x="827584" y="1268760"/>
+            <a:off x="899592" y="692696"/>
             <a:ext cx="1107996" cy="369332"/>
           </a:xfrm>
           <a:prstGeom prst="rect">
@@ -5264,6 +5942,190 @@
             <a:r>
               <a:rPr lang="zh-CN" altLang="en-US" dirty="0" smtClean="0"/>
               <a:t>桥接模式</a:t>
+            </a:r>
+            <a:endParaRPr lang="zh-CN" altLang="en-US" dirty="0"/>
+          </a:p>
+        </p:txBody>
+      </p:sp>
+      <p:sp>
+        <p:nvSpPr>
+          <p:cNvPr id="3" name="TextBox 2"/>
+          <p:cNvSpPr txBox="1"/>
+          <p:nvPr/>
+        </p:nvSpPr>
+        <p:spPr>
+          <a:xfrm>
+            <a:off x="1187624" y="1556792"/>
+            <a:ext cx="7204216" cy="4247317"/>
+          </a:xfrm>
+          <a:prstGeom prst="rect">
+            <a:avLst/>
+          </a:prstGeom>
+          <a:noFill/>
+        </p:spPr>
+        <p:txBody>
+          <a:bodyPr wrap="none" rtlCol="0">
+            <a:spAutoFit/>
+          </a:bodyPr>
+          <a:lstStyle/>
+          <a:p>
+            <a:r>
+              <a:rPr lang="zh-CN" altLang="en-US" dirty="0" smtClean="0"/>
+              <a:t>将实现的部分，和可能变化的部分抽象出来，便于两者相互独立。</a:t>
+            </a:r>
+            <a:endParaRPr lang="en-US" altLang="zh-CN" dirty="0" smtClean="0"/>
+          </a:p>
+          <a:p>
+            <a:r>
+              <a:rPr lang="zh-CN" altLang="en-US" dirty="0" smtClean="0"/>
+              <a:t>这时候，就需要桥接模式：</a:t>
+            </a:r>
+            <a:endParaRPr lang="en-US" altLang="zh-CN" dirty="0" smtClean="0"/>
+          </a:p>
+          <a:p>
+            <a:endParaRPr lang="en-US" altLang="zh-CN" dirty="0" smtClean="0"/>
+          </a:p>
+          <a:p>
+            <a:r>
+              <a:rPr lang="zh-CN" altLang="en-US" dirty="0" smtClean="0"/>
+              <a:t>如一个动画执行之后，需要做某些不确定的操作</a:t>
+            </a:r>
+            <a:r>
+              <a:rPr lang="en-US" altLang="zh-CN" dirty="0" smtClean="0"/>
+              <a:t>:</a:t>
+            </a:r>
+          </a:p>
+          <a:p>
+            <a:endParaRPr lang="en-US" altLang="zh-CN" dirty="0" smtClean="0"/>
+          </a:p>
+          <a:p>
+            <a:r>
+              <a:rPr lang="en-US" altLang="zh-CN" dirty="0" smtClean="0"/>
+              <a:t>Function animate(</a:t>
+            </a:r>
+            <a:r>
+              <a:rPr lang="en-US" altLang="zh-CN" dirty="0" err="1" smtClean="0"/>
+              <a:t>cb</a:t>
+            </a:r>
+            <a:r>
+              <a:rPr lang="en-US" altLang="zh-CN" dirty="0" smtClean="0"/>
+              <a:t>){</a:t>
+            </a:r>
+          </a:p>
+          <a:p>
+            <a:r>
+              <a:rPr lang="en-US" altLang="zh-CN" dirty="0" smtClean="0"/>
+              <a:t> </a:t>
+            </a:r>
+            <a:r>
+              <a:rPr lang="en-US" altLang="zh-CN" dirty="0" smtClean="0"/>
+              <a:t>     // </a:t>
+            </a:r>
+            <a:r>
+              <a:rPr lang="zh-CN" altLang="en-US" dirty="0" smtClean="0"/>
+              <a:t>一些列动画</a:t>
+            </a:r>
+            <a:endParaRPr lang="en-US" altLang="zh-CN" dirty="0" smtClean="0"/>
+          </a:p>
+          <a:p>
+            <a:r>
+              <a:rPr lang="en-US" altLang="zh-CN" dirty="0" smtClean="0"/>
+              <a:t>      ……</a:t>
+            </a:r>
+          </a:p>
+          <a:p>
+            <a:r>
+              <a:rPr lang="en-US" altLang="zh-CN" dirty="0" smtClean="0"/>
+              <a:t> </a:t>
+            </a:r>
+            <a:r>
+              <a:rPr lang="en-US" altLang="zh-CN" dirty="0" smtClean="0"/>
+              <a:t>     // </a:t>
+            </a:r>
+            <a:r>
+              <a:rPr lang="zh-CN" altLang="en-US" dirty="0" smtClean="0"/>
+              <a:t>可能执行某些不确定的函数，于是添加一个</a:t>
+            </a:r>
+            <a:r>
+              <a:rPr lang="en-US" altLang="zh-CN" dirty="0" err="1" smtClean="0"/>
+              <a:t>cb</a:t>
+            </a:r>
+            <a:r>
+              <a:rPr lang="zh-CN" altLang="en-US" dirty="0" smtClean="0"/>
+              <a:t>的参数</a:t>
+            </a:r>
+            <a:endParaRPr lang="en-US" altLang="zh-CN" dirty="0" smtClean="0"/>
+          </a:p>
+          <a:p>
+            <a:r>
+              <a:rPr lang="en-US" altLang="zh-CN" dirty="0" smtClean="0"/>
+              <a:t> </a:t>
+            </a:r>
+            <a:r>
+              <a:rPr lang="en-US" altLang="zh-CN" dirty="0" smtClean="0"/>
+              <a:t>     </a:t>
+            </a:r>
+            <a:r>
+              <a:rPr lang="en-US" altLang="zh-CN" dirty="0" err="1" smtClean="0"/>
+              <a:t>cb</a:t>
+            </a:r>
+            <a:r>
+              <a:rPr lang="en-US" altLang="zh-CN" dirty="0" smtClean="0"/>
+              <a:t>();</a:t>
+            </a:r>
+            <a:endParaRPr lang="en-US" altLang="zh-CN" dirty="0" smtClean="0"/>
+          </a:p>
+          <a:p>
+            <a:r>
+              <a:rPr lang="en-US" altLang="zh-CN" dirty="0" smtClean="0"/>
+              <a:t>}</a:t>
+            </a:r>
+          </a:p>
+          <a:p>
+            <a:r>
+              <a:rPr lang="zh-CN" altLang="en-US" dirty="0" smtClean="0"/>
+              <a:t>因为有了</a:t>
+            </a:r>
+            <a:r>
+              <a:rPr lang="en-US" altLang="zh-CN" dirty="0" err="1" smtClean="0"/>
+              <a:t>cb</a:t>
+            </a:r>
+            <a:r>
+              <a:rPr lang="zh-CN" altLang="en-US" dirty="0" smtClean="0"/>
+              <a:t>参数，所以，将确定的 动画函数， 和接下来不确定的操作</a:t>
+            </a:r>
+            <a:endParaRPr lang="en-US" altLang="zh-CN" dirty="0" smtClean="0"/>
+          </a:p>
+          <a:p>
+            <a:r>
+              <a:rPr lang="zh-CN" altLang="en-US" dirty="0" smtClean="0"/>
+              <a:t>链</a:t>
+            </a:r>
+            <a:r>
+              <a:rPr lang="zh-CN" altLang="en-US" dirty="0" smtClean="0"/>
+              <a:t>接到一起，而且相互功能也不影响</a:t>
+            </a:r>
+            <a:endParaRPr lang="en-US" altLang="zh-CN" dirty="0" smtClean="0"/>
+          </a:p>
+          <a:p>
+            <a:endParaRPr lang="en-US" altLang="zh-CN" dirty="0" smtClean="0"/>
+          </a:p>
+          <a:p>
+            <a:r>
+              <a:rPr lang="zh-CN" altLang="en-US" dirty="0" smtClean="0"/>
+              <a:t>这种形式，就是桥接模式</a:t>
+            </a:r>
+            <a:r>
+              <a:rPr lang="en-US" altLang="zh-CN" dirty="0" smtClean="0"/>
+              <a:t>【</a:t>
+            </a:r>
+            <a:r>
+              <a:rPr lang="zh-CN" altLang="en-US" dirty="0" smtClean="0"/>
+              <a:t>将相互独立的部分，组装、链接到一起</a:t>
+            </a:r>
+            <a:r>
+              <a:rPr lang="en-US" altLang="zh-CN" dirty="0" smtClean="0"/>
+              <a:t>】</a:t>
             </a:r>
             <a:endParaRPr lang="zh-CN" altLang="en-US" dirty="0"/>
           </a:p>
@@ -5302,7 +6164,7 @@
         </p:nvSpPr>
         <p:spPr>
           <a:xfrm>
-            <a:off x="971600" y="1484784"/>
+            <a:off x="755576" y="548680"/>
             <a:ext cx="1107996" cy="369332"/>
           </a:xfrm>
           <a:prstGeom prst="rect">
@@ -5321,6 +6183,131 @@
               <a:t>外观模式</a:t>
             </a:r>
             <a:endParaRPr lang="zh-CN" altLang="en-US" dirty="0"/>
+          </a:p>
+        </p:txBody>
+      </p:sp>
+      <p:sp>
+        <p:nvSpPr>
+          <p:cNvPr id="3" name="TextBox 2"/>
+          <p:cNvSpPr txBox="1"/>
+          <p:nvPr/>
+        </p:nvSpPr>
+        <p:spPr>
+          <a:xfrm>
+            <a:off x="1115616" y="1628800"/>
+            <a:ext cx="7803739" cy="2308324"/>
+          </a:xfrm>
+          <a:prstGeom prst="rect">
+            <a:avLst/>
+          </a:prstGeom>
+          <a:noFill/>
+        </p:spPr>
+        <p:txBody>
+          <a:bodyPr wrap="none" rtlCol="0">
+            <a:spAutoFit/>
+          </a:bodyPr>
+          <a:lstStyle/>
+          <a:p>
+            <a:r>
+              <a:rPr lang="zh-CN" altLang="en-US" dirty="0" smtClean="0"/>
+              <a:t>简单的理解，就是给外部使用，同个接口、函数，内部自己玩去。</a:t>
+            </a:r>
+            <a:endParaRPr lang="en-US" altLang="zh-CN" dirty="0" smtClean="0"/>
+          </a:p>
+          <a:p>
+            <a:endParaRPr lang="en-US" altLang="zh-CN" dirty="0" smtClean="0"/>
+          </a:p>
+          <a:p>
+            <a:r>
+              <a:rPr lang="en-US" altLang="zh-CN" dirty="0" smtClean="0"/>
+              <a:t>Function </a:t>
+            </a:r>
+            <a:r>
+              <a:rPr lang="en-US" altLang="zh-CN" dirty="0" err="1" smtClean="0"/>
+              <a:t>getName</a:t>
+            </a:r>
+            <a:r>
+              <a:rPr lang="en-US" altLang="zh-CN" dirty="0" smtClean="0"/>
+              <a:t>(){</a:t>
+            </a:r>
+          </a:p>
+          <a:p>
+            <a:r>
+              <a:rPr lang="en-US" altLang="zh-CN" dirty="0" smtClean="0"/>
+              <a:t> </a:t>
+            </a:r>
+            <a:r>
+              <a:rPr lang="en-US" altLang="zh-CN" dirty="0" smtClean="0"/>
+              <a:t>     return “</a:t>
+            </a:r>
+            <a:r>
+              <a:rPr lang="en-US" altLang="zh-CN" dirty="0" err="1" smtClean="0"/>
+              <a:t>xxxyyy</a:t>
+            </a:r>
+            <a:r>
+              <a:rPr lang="en-US" altLang="zh-CN" dirty="0" smtClean="0"/>
+              <a:t>”;		// </a:t>
+            </a:r>
+            <a:r>
+              <a:rPr lang="zh-CN" altLang="en-US" dirty="0" smtClean="0"/>
+              <a:t>不管你对名字</a:t>
+            </a:r>
+            <a:r>
+              <a:rPr lang="zh-CN" altLang="en-US" dirty="0" smtClean="0"/>
+              <a:t>加</a:t>
+            </a:r>
+            <a:r>
+              <a:rPr lang="zh-CN" altLang="en-US" dirty="0" smtClean="0"/>
+              <a:t>密还是加工，外部不需要知道</a:t>
+            </a:r>
+            <a:endParaRPr lang="en-US" altLang="zh-CN" dirty="0" smtClean="0"/>
+          </a:p>
+          <a:p>
+            <a:r>
+              <a:rPr lang="en-US" altLang="zh-CN" dirty="0" smtClean="0"/>
+              <a:t>}</a:t>
+            </a:r>
+          </a:p>
+          <a:p>
+            <a:endParaRPr lang="en-US" altLang="zh-CN" dirty="0" smtClean="0"/>
+          </a:p>
+          <a:p>
+            <a:r>
+              <a:rPr lang="zh-CN" altLang="en-US" dirty="0" smtClean="0"/>
+              <a:t>外</a:t>
+            </a:r>
+            <a:r>
+              <a:rPr lang="zh-CN" altLang="en-US" dirty="0" smtClean="0"/>
+              <a:t>部使用</a:t>
+            </a:r>
+            <a:r>
+              <a:rPr lang="en-US" altLang="zh-CN" dirty="0" err="1" smtClean="0"/>
+              <a:t>getName</a:t>
+            </a:r>
+            <a:r>
+              <a:rPr lang="zh-CN" altLang="en-US" dirty="0" smtClean="0"/>
+              <a:t>函数，获取名字，那</a:t>
+            </a:r>
+            <a:r>
+              <a:rPr lang="en-US" altLang="zh-CN" dirty="0" err="1" smtClean="0"/>
+              <a:t>getName</a:t>
+            </a:r>
+            <a:r>
+              <a:rPr lang="zh-CN" altLang="en-US" dirty="0" smtClean="0"/>
+              <a:t>里面，则可以随意玩。</a:t>
+            </a:r>
+            <a:endParaRPr lang="en-US" altLang="zh-CN" dirty="0" smtClean="0"/>
+          </a:p>
+          <a:p>
+            <a:r>
+              <a:rPr lang="zh-CN" altLang="en-US" dirty="0" smtClean="0"/>
+              <a:t>只要保证给外部的，是相同的形式则</a:t>
+            </a:r>
+            <a:r>
+              <a:rPr lang="en-US" altLang="zh-CN" dirty="0" smtClean="0"/>
+              <a:t>OK</a:t>
+            </a:r>
+            <a:endParaRPr lang="en-US" altLang="zh-CN" dirty="0" smtClean="0"/>
           </a:p>
         </p:txBody>
       </p:sp>
@@ -5357,7 +6344,7 @@
         </p:nvSpPr>
         <p:spPr>
           <a:xfrm>
-            <a:off x="1187624" y="1124744"/>
+            <a:off x="755576" y="476672"/>
             <a:ext cx="1107996" cy="369332"/>
           </a:xfrm>
           <a:prstGeom prst="rect">
@@ -5374,6 +6361,178 @@
             <a:r>
               <a:rPr lang="zh-CN" altLang="en-US" dirty="0" smtClean="0"/>
               <a:t>策略模式</a:t>
+            </a:r>
+            <a:endParaRPr lang="zh-CN" altLang="en-US" dirty="0"/>
+          </a:p>
+        </p:txBody>
+      </p:sp>
+      <p:sp>
+        <p:nvSpPr>
+          <p:cNvPr id="3" name="TextBox 2"/>
+          <p:cNvSpPr txBox="1"/>
+          <p:nvPr/>
+        </p:nvSpPr>
+        <p:spPr>
+          <a:xfrm>
+            <a:off x="1043608" y="1268760"/>
+            <a:ext cx="6417141" cy="4247317"/>
+          </a:xfrm>
+          <a:prstGeom prst="rect">
+            <a:avLst/>
+          </a:prstGeom>
+          <a:noFill/>
+        </p:spPr>
+        <p:txBody>
+          <a:bodyPr wrap="none" rtlCol="0">
+            <a:spAutoFit/>
+          </a:bodyPr>
+          <a:lstStyle/>
+          <a:p>
+            <a:r>
+              <a:rPr lang="zh-CN" altLang="en-US" dirty="0" smtClean="0"/>
+              <a:t>最简单的，就是同个函数，传入不同参数，得到不同的结果。</a:t>
+            </a:r>
+            <a:endParaRPr lang="en-US" altLang="zh-CN" dirty="0" smtClean="0"/>
+          </a:p>
+          <a:p>
+            <a:r>
+              <a:rPr lang="zh-CN" altLang="en-US" dirty="0" smtClean="0"/>
+              <a:t>传</a:t>
+            </a:r>
+            <a:r>
+              <a:rPr lang="zh-CN" altLang="en-US" dirty="0" smtClean="0"/>
+              <a:t>入的参数，就可以理解为策略。</a:t>
+            </a:r>
+            <a:endParaRPr lang="en-US" altLang="zh-CN" dirty="0" smtClean="0"/>
+          </a:p>
+          <a:p>
+            <a:r>
+              <a:rPr lang="zh-CN" altLang="en-US" dirty="0" smtClean="0"/>
+              <a:t>函</a:t>
+            </a:r>
+            <a:r>
+              <a:rPr lang="zh-CN" altLang="en-US" dirty="0" smtClean="0"/>
+              <a:t>数，则是策略的实现。</a:t>
+            </a:r>
+            <a:endParaRPr lang="en-US" altLang="zh-CN" dirty="0" smtClean="0"/>
+          </a:p>
+          <a:p>
+            <a:endParaRPr lang="en-US" altLang="zh-CN" dirty="0" smtClean="0"/>
+          </a:p>
+          <a:p>
+            <a:r>
+              <a:rPr lang="zh-CN" altLang="en-US" dirty="0" smtClean="0"/>
+              <a:t>如</a:t>
+            </a:r>
+            <a:r>
+              <a:rPr lang="en-US" altLang="zh-CN" dirty="0" smtClean="0"/>
+              <a:t>:</a:t>
+            </a:r>
+          </a:p>
+          <a:p>
+            <a:r>
+              <a:rPr lang="en-US" altLang="zh-CN" dirty="0" smtClean="0"/>
+              <a:t>$(“”).animate({left: 100}, 1000);</a:t>
+            </a:r>
+          </a:p>
+          <a:p>
+            <a:r>
+              <a:rPr lang="en-US" altLang="zh-CN" dirty="0" smtClean="0"/>
+              <a:t>$(“”).animate({top:100}, 1000);</a:t>
+            </a:r>
+          </a:p>
+          <a:p>
+            <a:endParaRPr lang="en-US" altLang="zh-CN" dirty="0" smtClean="0"/>
+          </a:p>
+          <a:p>
+            <a:r>
+              <a:rPr lang="zh-CN" altLang="en-US" dirty="0" smtClean="0"/>
+              <a:t>又或者表单</a:t>
+            </a:r>
+            <a:r>
+              <a:rPr lang="zh-CN" altLang="en-US" dirty="0" smtClean="0"/>
+              <a:t>验</a:t>
+            </a:r>
+            <a:r>
+              <a:rPr lang="zh-CN" altLang="en-US" dirty="0" smtClean="0"/>
+              <a:t>证</a:t>
+            </a:r>
+            <a:r>
+              <a:rPr lang="en-US" altLang="zh-CN" dirty="0" smtClean="0"/>
+              <a:t>:</a:t>
+            </a:r>
+          </a:p>
+          <a:p>
+            <a:r>
+              <a:rPr lang="en-US" altLang="zh-CN" dirty="0" smtClean="0"/>
+              <a:t>{</a:t>
+            </a:r>
+          </a:p>
+          <a:p>
+            <a:r>
+              <a:rPr lang="en-US" altLang="zh-CN" dirty="0" smtClean="0"/>
+              <a:t> </a:t>
+            </a:r>
+            <a:r>
+              <a:rPr lang="en-US" altLang="zh-CN" dirty="0" smtClean="0"/>
+              <a:t>   name: [“max:10”, “</a:t>
+            </a:r>
+            <a:r>
+              <a:rPr lang="en-US" altLang="zh-CN" dirty="0" err="1" smtClean="0"/>
+              <a:t>notNull</a:t>
+            </a:r>
+            <a:r>
+              <a:rPr lang="en-US" altLang="zh-CN" dirty="0" smtClean="0"/>
+              <a:t>”],</a:t>
+            </a:r>
+          </a:p>
+          <a:p>
+            <a:r>
+              <a:rPr lang="en-US" altLang="zh-CN" dirty="0" smtClean="0"/>
+              <a:t> </a:t>
+            </a:r>
+            <a:r>
+              <a:rPr lang="en-US" altLang="zh-CN" dirty="0" smtClean="0"/>
+              <a:t>   age: [“</a:t>
+            </a:r>
+            <a:r>
+              <a:rPr lang="en-US" altLang="zh-CN" dirty="0" err="1" smtClean="0"/>
+              <a:t>int</a:t>
+            </a:r>
+            <a:r>
+              <a:rPr lang="en-US" altLang="zh-CN" dirty="0" smtClean="0"/>
+              <a:t>”, “</a:t>
+            </a:r>
+            <a:r>
+              <a:rPr lang="en-US" altLang="zh-CN" dirty="0" err="1" smtClean="0"/>
+              <a:t>notNull</a:t>
+            </a:r>
+            <a:r>
+              <a:rPr lang="en-US" altLang="zh-CN" dirty="0" smtClean="0"/>
+              <a:t>”],</a:t>
+            </a:r>
+          </a:p>
+          <a:p>
+            <a:r>
+              <a:rPr lang="en-US" altLang="zh-CN" dirty="0" smtClean="0"/>
+              <a:t>    ……</a:t>
+            </a:r>
+            <a:endParaRPr lang="en-US" altLang="zh-CN" dirty="0" smtClean="0"/>
+          </a:p>
+          <a:p>
+            <a:r>
+              <a:rPr lang="en-US" altLang="zh-CN" dirty="0" smtClean="0"/>
+              <a:t>}</a:t>
+            </a:r>
+          </a:p>
+          <a:p>
+            <a:r>
+              <a:rPr lang="zh-CN" altLang="en-US" dirty="0" smtClean="0"/>
+              <a:t>根</a:t>
+            </a:r>
+            <a:r>
+              <a:rPr lang="zh-CN" altLang="en-US" dirty="0" smtClean="0"/>
+              <a:t>据不同策略，对属性进行验证</a:t>
             </a:r>
             <a:endParaRPr lang="zh-CN" altLang="en-US" dirty="0"/>
           </a:p>
